--- a/Linguagem K.pptx
+++ b/Linguagem K.pptx
@@ -9429,7 +9429,7 @@
                 <a:cs typeface="Oswald"/>
                 <a:sym typeface="Oswald"/>
               </a:rPr>
-              <a:t>vai ser uma das linhas </a:t>
+              <a:t>vai ser alguma combinação das linhas </a:t>
             </a:r>
             <a:r>
               <a:rPr lang="pt-BR">
